--- a/img/docs/presentation.pptx
+++ b/img/docs/presentation.pptx
@@ -31,7 +31,7 @@
     <p:sldId id="309" r:id="rId19"/>
   </p:sldIdLst>
   <p:sldSz cx="9144000" cy="6858000" type="screen4x3"/>
-  <p:notesSz cx="6980238" cy="9144000"/>
+  <p:notesSz cx="6946900" cy="9271000"/>
   <p:defaultTextStyle>
     <a:defPPr>
       <a:defRPr lang="en-US"/>
@@ -1472,7 +1472,7 @@
         <p:spPr bwMode="auto">
           <a:xfrm>
             <a:off x="0" y="0"/>
-            <a:ext cx="3024770" cy="457200"/>
+            <a:ext cx="3010324" cy="463550"/>
           </a:xfrm>
           <a:prstGeom prst="rect">
             <a:avLst/>
@@ -1528,8 +1528,8 @@
         </p:nvSpPr>
         <p:spPr bwMode="auto">
           <a:xfrm>
-            <a:off x="3955468" y="0"/>
-            <a:ext cx="3024770" cy="457200"/>
+            <a:off x="3936576" y="0"/>
+            <a:ext cx="3010324" cy="463550"/>
           </a:xfrm>
           <a:prstGeom prst="rect">
             <a:avLst/>
@@ -1585,8 +1585,8 @@
         </p:nvSpPr>
         <p:spPr bwMode="auto">
           <a:xfrm>
-            <a:off x="0" y="8686800"/>
-            <a:ext cx="3024770" cy="457200"/>
+            <a:off x="0" y="8807450"/>
+            <a:ext cx="3010324" cy="463550"/>
           </a:xfrm>
           <a:prstGeom prst="rect">
             <a:avLst/>
@@ -1642,8 +1642,8 @@
         </p:nvSpPr>
         <p:spPr bwMode="auto">
           <a:xfrm>
-            <a:off x="3955468" y="8686800"/>
-            <a:ext cx="3024770" cy="457200"/>
+            <a:off x="3936576" y="8807450"/>
+            <a:ext cx="3010324" cy="463550"/>
           </a:xfrm>
           <a:prstGeom prst="rect">
             <a:avLst/>
@@ -1736,7 +1736,7 @@
         <p:spPr bwMode="auto">
           <a:xfrm>
             <a:off x="0" y="0"/>
-            <a:ext cx="3024770" cy="457200"/>
+            <a:ext cx="3010324" cy="463550"/>
           </a:xfrm>
           <a:prstGeom prst="rect">
             <a:avLst/>
@@ -1792,8 +1792,8 @@
         </p:nvSpPr>
         <p:spPr bwMode="auto">
           <a:xfrm>
-            <a:off x="3955468" y="0"/>
-            <a:ext cx="3024770" cy="457200"/>
+            <a:off x="3936576" y="0"/>
+            <a:ext cx="3010324" cy="463550"/>
           </a:xfrm>
           <a:prstGeom prst="rect">
             <a:avLst/>
@@ -1849,8 +1849,8 @@
         </p:nvSpPr>
         <p:spPr bwMode="auto">
           <a:xfrm>
-            <a:off x="1203325" y="685800"/>
-            <a:ext cx="4573588" cy="3429000"/>
+            <a:off x="1155700" y="695325"/>
+            <a:ext cx="4635500" cy="3476625"/>
           </a:xfrm>
           <a:prstGeom prst="rect">
             <a:avLst/>
@@ -1893,8 +1893,8 @@
         </p:nvSpPr>
         <p:spPr bwMode="auto">
           <a:xfrm>
-            <a:off x="930699" y="4343400"/>
-            <a:ext cx="5118841" cy="4114800"/>
+            <a:off x="926254" y="4403725"/>
+            <a:ext cx="5094393" cy="4171950"/>
           </a:xfrm>
           <a:prstGeom prst="rect">
             <a:avLst/>
@@ -1971,8 +1971,8 @@
         </p:nvSpPr>
         <p:spPr bwMode="auto">
           <a:xfrm>
-            <a:off x="0" y="8686800"/>
-            <a:ext cx="3024770" cy="457200"/>
+            <a:off x="0" y="8807450"/>
+            <a:ext cx="3010324" cy="463550"/>
           </a:xfrm>
           <a:prstGeom prst="rect">
             <a:avLst/>
@@ -2028,8 +2028,8 @@
         </p:nvSpPr>
         <p:spPr bwMode="auto">
           <a:xfrm>
-            <a:off x="3955468" y="8686800"/>
-            <a:ext cx="3024770" cy="457200"/>
+            <a:off x="3936576" y="8807450"/>
+            <a:ext cx="3010324" cy="463550"/>
           </a:xfrm>
           <a:prstGeom prst="rect">
             <a:avLst/>
@@ -3974,7 +3974,7 @@
                 </a:spcBef>
                 <a:defRPr/>
               </a:pPr>
-              <a:t>5/2/2018</a:t>
+              <a:t>5/10/2018</a:t>
             </a:fld>
             <a:endParaRPr lang="en-US" altLang="en-US" dirty="0">
               <a:solidFill>
@@ -5905,7 +5905,7 @@
               <a:pPr>
                 <a:defRPr/>
               </a:pPr>
-              <a:t>5/2/2018</a:t>
+              <a:t>5/10/2018</a:t>
             </a:fld>
             <a:endParaRPr lang="en-US" altLang="en-US" dirty="0"/>
           </a:p>
@@ -6819,7 +6819,7 @@
               <a:pPr>
                 <a:defRPr/>
               </a:pPr>
-              <a:t>5/2/2018</a:t>
+              <a:t>5/10/2018</a:t>
             </a:fld>
             <a:endParaRPr lang="en-US" altLang="en-US" dirty="0"/>
           </a:p>
@@ -11084,7 +11084,7 @@
             <a:effectLst/>
             <a:extLst>
               <a:ext uri="{AF507438-7753-43e0-B8FC-AC1667EBCBE1}">
-                <a14:hiddenEffects xmlns="" xmlns:a14="http://schemas.microsoft.com/office/drawing/2010/main">
+                <a14:hiddenEffects xmlns:a14="http://schemas.microsoft.com/office/drawing/2010/main" xmlns="">
                   <a:effectLst>
                     <a:outerShdw blurRad="63500" dist="38099" dir="2700000" algn="ctr" rotWithShape="0">
                       <a:schemeClr val="bg2">
@@ -13203,7 +13203,7 @@
             </a:r>
             <a:r>
               <a:rPr lang="en-US" altLang="en-US" b="1" kern="0" dirty="0"/>
-              <a:t>$16-$54 million dollars/year </a:t>
+              <a:t>$16-$21 million dollars/year </a:t>
             </a:r>
             <a:r>
               <a:rPr lang="en-US" altLang="en-US" sz="1800" kern="0" dirty="0"/>
@@ -19446,7 +19446,7 @@
         <a:effectLst/>
         <a:extLst>
           <a:ext uri="{AF507438-7753-43e0-B8FC-AC1667EBCBE1}">
-            <a14:hiddenEffects xmlns="" xmlns:a14="http://schemas.microsoft.com/office/drawing/2010/main">
+            <a14:hiddenEffects xmlns:a14="http://schemas.microsoft.com/office/drawing/2010/main" xmlns="">
               <a:effectLst>
                 <a:outerShdw blurRad="63500" dist="38099" dir="2700000" algn="ctr" rotWithShape="0">
                   <a:schemeClr val="bg2">
@@ -19523,7 +19523,7 @@
         <a:effectLst/>
         <a:extLst>
           <a:ext uri="{AF507438-7753-43e0-B8FC-AC1667EBCBE1}">
-            <a14:hiddenEffects xmlns="" xmlns:a14="http://schemas.microsoft.com/office/drawing/2010/main">
+            <a14:hiddenEffects xmlns:a14="http://schemas.microsoft.com/office/drawing/2010/main" xmlns="">
               <a:effectLst>
                 <a:outerShdw blurRad="63500" dist="38099" dir="2700000" algn="ctr" rotWithShape="0">
                   <a:schemeClr val="bg2">
